--- a/Figures/Chapter_01/drawings/Fig1.3_Cell_module_system.pptx
+++ b/Figures/Chapter_01/drawings/Fig1.3_Cell_module_system.pptx
@@ -261,7 +261,7 @@
           <a:p>
             <a:fld id="{8B1A925D-6802-4F82-B3A4-43BDB522D203}" type="datetimeFigureOut">
               <a:rPr lang="en-GB" smtClean="0"/>
-              <a:t>09/11/2021</a:t>
+              <a:t>19/01/2022</a:t>
             </a:fld>
             <a:endParaRPr lang="en-GB"/>
           </a:p>
@@ -461,7 +461,7 @@
           <a:p>
             <a:fld id="{8B1A925D-6802-4F82-B3A4-43BDB522D203}" type="datetimeFigureOut">
               <a:rPr lang="en-GB" smtClean="0"/>
-              <a:t>09/11/2021</a:t>
+              <a:t>19/01/2022</a:t>
             </a:fld>
             <a:endParaRPr lang="en-GB"/>
           </a:p>
@@ -671,7 +671,7 @@
           <a:p>
             <a:fld id="{8B1A925D-6802-4F82-B3A4-43BDB522D203}" type="datetimeFigureOut">
               <a:rPr lang="en-GB" smtClean="0"/>
-              <a:t>09/11/2021</a:t>
+              <a:t>19/01/2022</a:t>
             </a:fld>
             <a:endParaRPr lang="en-GB"/>
           </a:p>
@@ -871,7 +871,7 @@
           <a:p>
             <a:fld id="{8B1A925D-6802-4F82-B3A4-43BDB522D203}" type="datetimeFigureOut">
               <a:rPr lang="en-GB" smtClean="0"/>
-              <a:t>09/11/2021</a:t>
+              <a:t>19/01/2022</a:t>
             </a:fld>
             <a:endParaRPr lang="en-GB"/>
           </a:p>
@@ -1147,7 +1147,7 @@
           <a:p>
             <a:fld id="{8B1A925D-6802-4F82-B3A4-43BDB522D203}" type="datetimeFigureOut">
               <a:rPr lang="en-GB" smtClean="0"/>
-              <a:t>09/11/2021</a:t>
+              <a:t>19/01/2022</a:t>
             </a:fld>
             <a:endParaRPr lang="en-GB"/>
           </a:p>
@@ -1415,7 +1415,7 @@
           <a:p>
             <a:fld id="{8B1A925D-6802-4F82-B3A4-43BDB522D203}" type="datetimeFigureOut">
               <a:rPr lang="en-GB" smtClean="0"/>
-              <a:t>09/11/2021</a:t>
+              <a:t>19/01/2022</a:t>
             </a:fld>
             <a:endParaRPr lang="en-GB"/>
           </a:p>
@@ -1830,7 +1830,7 @@
           <a:p>
             <a:fld id="{8B1A925D-6802-4F82-B3A4-43BDB522D203}" type="datetimeFigureOut">
               <a:rPr lang="en-GB" smtClean="0"/>
-              <a:t>09/11/2021</a:t>
+              <a:t>19/01/2022</a:t>
             </a:fld>
             <a:endParaRPr lang="en-GB"/>
           </a:p>
@@ -1972,7 +1972,7 @@
           <a:p>
             <a:fld id="{8B1A925D-6802-4F82-B3A4-43BDB522D203}" type="datetimeFigureOut">
               <a:rPr lang="en-GB" smtClean="0"/>
-              <a:t>09/11/2021</a:t>
+              <a:t>19/01/2022</a:t>
             </a:fld>
             <a:endParaRPr lang="en-GB"/>
           </a:p>
@@ -2085,7 +2085,7 @@
           <a:p>
             <a:fld id="{8B1A925D-6802-4F82-B3A4-43BDB522D203}" type="datetimeFigureOut">
               <a:rPr lang="en-GB" smtClean="0"/>
-              <a:t>09/11/2021</a:t>
+              <a:t>19/01/2022</a:t>
             </a:fld>
             <a:endParaRPr lang="en-GB"/>
           </a:p>
@@ -2398,7 +2398,7 @@
           <a:p>
             <a:fld id="{8B1A925D-6802-4F82-B3A4-43BDB522D203}" type="datetimeFigureOut">
               <a:rPr lang="en-GB" smtClean="0"/>
-              <a:t>09/11/2021</a:t>
+              <a:t>19/01/2022</a:t>
             </a:fld>
             <a:endParaRPr lang="en-GB"/>
           </a:p>
@@ -2687,7 +2687,7 @@
           <a:p>
             <a:fld id="{8B1A925D-6802-4F82-B3A4-43BDB522D203}" type="datetimeFigureOut">
               <a:rPr lang="en-GB" smtClean="0"/>
-              <a:t>09/11/2021</a:t>
+              <a:t>19/01/2022</a:t>
             </a:fld>
             <a:endParaRPr lang="en-GB"/>
           </a:p>
@@ -2930,7 +2930,7 @@
           <a:p>
             <a:fld id="{8B1A925D-6802-4F82-B3A4-43BDB522D203}" type="datetimeFigureOut">
               <a:rPr lang="en-GB" smtClean="0"/>
-              <a:t>09/11/2021</a:t>
+              <a:t>19/01/2022</a:t>
             </a:fld>
             <a:endParaRPr lang="en-GB"/>
           </a:p>
@@ -3421,33 +3421,35 @@
           <a:lstStyle/>
           <a:p>
             <a:r>
-              <a:rPr lang="en-GB" dirty="0">
-                <a:latin typeface="Corbel" panose="020B0503020204020204" pitchFamily="34" charset="0"/>
-              </a:rPr>
-              <a:t>Solar cell </a:t>
-            </a:r>
-            <a:r>
-              <a:rPr lang="en-GB">
-                <a:latin typeface="Corbel" panose="020B0503020204020204" pitchFamily="34" charset="0"/>
-              </a:rPr>
-              <a:t>(6.2W</a:t>
+              <a:rPr lang="en-GB" dirty="0"/>
+              <a:t>Solar cell (</a:t>
             </a:r>
             <a:r>
               <a:rPr lang="en-GB" dirty="0">
-                <a:latin typeface="Corbel" panose="020B0503020204020204" pitchFamily="34" charset="0"/>
+                <a:cs typeface="Calibri" panose="020F0502020204030204" pitchFamily="34" charset="0"/>
               </a:rPr>
-              <a:t>, 275 cm</a:t>
+              <a:t>6.2</a:t>
             </a:r>
             <a:r>
-              <a:rPr lang="en-GB" baseline="30000" dirty="0">
-                <a:latin typeface="Corbel" panose="020B0503020204020204" pitchFamily="34" charset="0"/>
+              <a:rPr lang="en-GB" dirty="0"/>
+              <a:t>W, </a:t>
+            </a:r>
+            <a:r>
+              <a:rPr lang="en-GB" dirty="0">
+                <a:cs typeface="Calibri" panose="020F0502020204030204" pitchFamily="34" charset="0"/>
               </a:rPr>
+              <a:t>275</a:t>
+            </a:r>
+            <a:r>
+              <a:rPr lang="en-GB" dirty="0"/>
+              <a:t> cm</a:t>
+            </a:r>
+            <a:r>
+              <a:rPr lang="en-GB" baseline="30000" dirty="0"/>
               <a:t>2 </a:t>
             </a:r>
             <a:r>
-              <a:rPr lang="en-GB" dirty="0">
-                <a:latin typeface="Corbel" panose="020B0503020204020204" pitchFamily="34" charset="0"/>
-              </a:rPr>
+              <a:rPr lang="en-GB" dirty="0"/>
               <a:t>)</a:t>
             </a:r>
           </a:p>
@@ -3482,21 +3484,15 @@
           <a:lstStyle/>
           <a:p>
             <a:r>
-              <a:rPr lang="en-GB" dirty="0">
-                <a:latin typeface="Corbel" panose="020B0503020204020204" pitchFamily="34" charset="0"/>
-              </a:rPr>
-              <a:t>PV module ( 500W, area 2.5 m</a:t>
+              <a:rPr lang="en-GB" dirty="0"/>
+              <a:t>PV module (500W, area 2.5 m</a:t>
             </a:r>
             <a:r>
-              <a:rPr lang="en-GB" baseline="30000" dirty="0">
-                <a:latin typeface="Corbel" panose="020B0503020204020204" pitchFamily="34" charset="0"/>
-              </a:rPr>
+              <a:rPr lang="en-GB" baseline="30000" dirty="0"/>
               <a:t>2</a:t>
             </a:r>
             <a:r>
-              <a:rPr lang="en-GB" dirty="0">
-                <a:latin typeface="Corbel" panose="020B0503020204020204" pitchFamily="34" charset="0"/>
-              </a:rPr>
+              <a:rPr lang="en-GB" dirty="0"/>
               <a:t>)</a:t>
             </a:r>
           </a:p>

--- a/Figures/Chapter_01/drawings/Fig1.3_Cell_module_system.pptx
+++ b/Figures/Chapter_01/drawings/Fig1.3_Cell_module_system.pptx
@@ -261,7 +261,7 @@
           <a:p>
             <a:fld id="{8B1A925D-6802-4F82-B3A4-43BDB522D203}" type="datetimeFigureOut">
               <a:rPr lang="en-GB" smtClean="0"/>
-              <a:t>19/01/2022</a:t>
+              <a:t>13/07/2022</a:t>
             </a:fld>
             <a:endParaRPr lang="en-GB"/>
           </a:p>
@@ -461,7 +461,7 @@
           <a:p>
             <a:fld id="{8B1A925D-6802-4F82-B3A4-43BDB522D203}" type="datetimeFigureOut">
               <a:rPr lang="en-GB" smtClean="0"/>
-              <a:t>19/01/2022</a:t>
+              <a:t>13/07/2022</a:t>
             </a:fld>
             <a:endParaRPr lang="en-GB"/>
           </a:p>
@@ -671,7 +671,7 @@
           <a:p>
             <a:fld id="{8B1A925D-6802-4F82-B3A4-43BDB522D203}" type="datetimeFigureOut">
               <a:rPr lang="en-GB" smtClean="0"/>
-              <a:t>19/01/2022</a:t>
+              <a:t>13/07/2022</a:t>
             </a:fld>
             <a:endParaRPr lang="en-GB"/>
           </a:p>
@@ -871,7 +871,7 @@
           <a:p>
             <a:fld id="{8B1A925D-6802-4F82-B3A4-43BDB522D203}" type="datetimeFigureOut">
               <a:rPr lang="en-GB" smtClean="0"/>
-              <a:t>19/01/2022</a:t>
+              <a:t>13/07/2022</a:t>
             </a:fld>
             <a:endParaRPr lang="en-GB"/>
           </a:p>
@@ -1147,7 +1147,7 @@
           <a:p>
             <a:fld id="{8B1A925D-6802-4F82-B3A4-43BDB522D203}" type="datetimeFigureOut">
               <a:rPr lang="en-GB" smtClean="0"/>
-              <a:t>19/01/2022</a:t>
+              <a:t>13/07/2022</a:t>
             </a:fld>
             <a:endParaRPr lang="en-GB"/>
           </a:p>
@@ -1415,7 +1415,7 @@
           <a:p>
             <a:fld id="{8B1A925D-6802-4F82-B3A4-43BDB522D203}" type="datetimeFigureOut">
               <a:rPr lang="en-GB" smtClean="0"/>
-              <a:t>19/01/2022</a:t>
+              <a:t>13/07/2022</a:t>
             </a:fld>
             <a:endParaRPr lang="en-GB"/>
           </a:p>
@@ -1830,7 +1830,7 @@
           <a:p>
             <a:fld id="{8B1A925D-6802-4F82-B3A4-43BDB522D203}" type="datetimeFigureOut">
               <a:rPr lang="en-GB" smtClean="0"/>
-              <a:t>19/01/2022</a:t>
+              <a:t>13/07/2022</a:t>
             </a:fld>
             <a:endParaRPr lang="en-GB"/>
           </a:p>
@@ -1972,7 +1972,7 @@
           <a:p>
             <a:fld id="{8B1A925D-6802-4F82-B3A4-43BDB522D203}" type="datetimeFigureOut">
               <a:rPr lang="en-GB" smtClean="0"/>
-              <a:t>19/01/2022</a:t>
+              <a:t>13/07/2022</a:t>
             </a:fld>
             <a:endParaRPr lang="en-GB"/>
           </a:p>
@@ -2085,7 +2085,7 @@
           <a:p>
             <a:fld id="{8B1A925D-6802-4F82-B3A4-43BDB522D203}" type="datetimeFigureOut">
               <a:rPr lang="en-GB" smtClean="0"/>
-              <a:t>19/01/2022</a:t>
+              <a:t>13/07/2022</a:t>
             </a:fld>
             <a:endParaRPr lang="en-GB"/>
           </a:p>
@@ -2398,7 +2398,7 @@
           <a:p>
             <a:fld id="{8B1A925D-6802-4F82-B3A4-43BDB522D203}" type="datetimeFigureOut">
               <a:rPr lang="en-GB" smtClean="0"/>
-              <a:t>19/01/2022</a:t>
+              <a:t>13/07/2022</a:t>
             </a:fld>
             <a:endParaRPr lang="en-GB"/>
           </a:p>
@@ -2687,7 +2687,7 @@
           <a:p>
             <a:fld id="{8B1A925D-6802-4F82-B3A4-43BDB522D203}" type="datetimeFigureOut">
               <a:rPr lang="en-GB" smtClean="0"/>
-              <a:t>19/01/2022</a:t>
+              <a:t>13/07/2022</a:t>
             </a:fld>
             <a:endParaRPr lang="en-GB"/>
           </a:p>
@@ -2930,7 +2930,7 @@
           <a:p>
             <a:fld id="{8B1A925D-6802-4F82-B3A4-43BDB522D203}" type="datetimeFigureOut">
               <a:rPr lang="en-GB" smtClean="0"/>
-              <a:t>19/01/2022</a:t>
+              <a:t>13/07/2022</a:t>
             </a:fld>
             <a:endParaRPr lang="en-GB"/>
           </a:p>
@@ -3371,9 +3371,7 @@
           </a:prstGeom>
           <a:ln w="50800">
             <a:solidFill>
-              <a:schemeClr val="accent1">
-                <a:lumMod val="50000"/>
-              </a:schemeClr>
+              <a:srgbClr val="002060"/>
             </a:solidFill>
           </a:ln>
         </p:spPr>
@@ -3407,7 +3405,7 @@
         <p:spPr>
           <a:xfrm>
             <a:off x="222380" y="-57121"/>
-            <a:ext cx="2747947" cy="369332"/>
+            <a:ext cx="2747947" cy="338554"/>
           </a:xfrm>
           <a:prstGeom prst="rect">
             <a:avLst/>
@@ -3421,35 +3419,24 @@
           <a:lstStyle/>
           <a:p>
             <a:r>
-              <a:rPr lang="en-GB" dirty="0"/>
-              <a:t>Solar cell (</a:t>
+              <a:rPr lang="en-GB" sz="1600" dirty="0">
+                <a:latin typeface="Arial" panose="020B0604020202020204" pitchFamily="34" charset="0"/>
+                <a:cs typeface="Arial" panose="020B0604020202020204" pitchFamily="34" charset="0"/>
+              </a:rPr>
+              <a:t>Solar cell (6.2W, 275 cm</a:t>
             </a:r>
             <a:r>
-              <a:rPr lang="en-GB" dirty="0">
-                <a:cs typeface="Calibri" panose="020F0502020204030204" pitchFamily="34" charset="0"/>
+              <a:rPr lang="en-GB" sz="1600" baseline="30000" dirty="0">
+                <a:latin typeface="Arial" panose="020B0604020202020204" pitchFamily="34" charset="0"/>
+                <a:cs typeface="Arial" panose="020B0604020202020204" pitchFamily="34" charset="0"/>
               </a:rPr>
-              <a:t>6.2</a:t>
-            </a:r>
-            <a:r>
-              <a:rPr lang="en-GB" dirty="0"/>
-              <a:t>W, </a:t>
-            </a:r>
-            <a:r>
-              <a:rPr lang="en-GB" dirty="0">
-                <a:cs typeface="Calibri" panose="020F0502020204030204" pitchFamily="34" charset="0"/>
-              </a:rPr>
-              <a:t>275</a:t>
-            </a:r>
-            <a:r>
-              <a:rPr lang="en-GB" dirty="0"/>
-              <a:t> cm</a:t>
-            </a:r>
-            <a:r>
-              <a:rPr lang="en-GB" baseline="30000" dirty="0"/>
               <a:t>2 </a:t>
             </a:r>
             <a:r>
-              <a:rPr lang="en-GB" dirty="0"/>
+              <a:rPr lang="en-GB" sz="1600" dirty="0">
+                <a:latin typeface="Arial" panose="020B0604020202020204" pitchFamily="34" charset="0"/>
+                <a:cs typeface="Arial" panose="020B0604020202020204" pitchFamily="34" charset="0"/>
+              </a:rPr>
               <a:t>)</a:t>
             </a:r>
           </a:p>
@@ -3470,7 +3457,7 @@
         <p:spPr>
           <a:xfrm>
             <a:off x="3327728" y="-63849"/>
-            <a:ext cx="3515747" cy="369332"/>
+            <a:ext cx="3515747" cy="338554"/>
           </a:xfrm>
           <a:prstGeom prst="rect">
             <a:avLst/>
@@ -3484,15 +3471,24 @@
           <a:lstStyle/>
           <a:p>
             <a:r>
-              <a:rPr lang="en-GB" dirty="0"/>
+              <a:rPr lang="en-GB" sz="1600" dirty="0">
+                <a:latin typeface="Arial" panose="020B0604020202020204" pitchFamily="34" charset="0"/>
+                <a:cs typeface="Arial" panose="020B0604020202020204" pitchFamily="34" charset="0"/>
+              </a:rPr>
               <a:t>PV module (500W, area 2.5 m</a:t>
             </a:r>
             <a:r>
-              <a:rPr lang="en-GB" baseline="30000" dirty="0"/>
+              <a:rPr lang="en-GB" sz="1600" baseline="30000" dirty="0">
+                <a:latin typeface="Arial" panose="020B0604020202020204" pitchFamily="34" charset="0"/>
+                <a:cs typeface="Arial" panose="020B0604020202020204" pitchFamily="34" charset="0"/>
+              </a:rPr>
               <a:t>2</a:t>
             </a:r>
             <a:r>
-              <a:rPr lang="en-GB" dirty="0"/>
+              <a:rPr lang="en-GB" sz="1600" dirty="0">
+                <a:latin typeface="Arial" panose="020B0604020202020204" pitchFamily="34" charset="0"/>
+                <a:cs typeface="Arial" panose="020B0604020202020204" pitchFamily="34" charset="0"/>
+              </a:rPr>
               <a:t>)</a:t>
             </a:r>
           </a:p>
@@ -3568,7 +3564,10 @@
             <a:lstStyle/>
             <a:p>
               <a:pPr algn="ctr"/>
-              <a:endParaRPr lang="en-GB"/>
+              <a:endParaRPr lang="en-GB" sz="1600">
+                <a:latin typeface="Arial" panose="020B0604020202020204" pitchFamily="34" charset="0"/>
+                <a:cs typeface="Arial" panose="020B0604020202020204" pitchFamily="34" charset="0"/>
+              </a:endParaRPr>
             </a:p>
           </p:txBody>
         </p:sp>
@@ -5011,7 +5010,10 @@
               <a:lstStyle/>
               <a:p>
                 <a:pPr algn="ctr"/>
-                <a:endParaRPr lang="en-GB"/>
+                <a:endParaRPr lang="en-GB" sz="1600">
+                  <a:latin typeface="Arial" panose="020B0604020202020204" pitchFamily="34" charset="0"/>
+                  <a:cs typeface="Arial" panose="020B0604020202020204" pitchFamily="34" charset="0"/>
+                </a:endParaRPr>
               </a:p>
             </p:txBody>
           </p:sp>
@@ -5176,7 +5178,10 @@
               <a:lstStyle/>
               <a:p>
                 <a:pPr algn="ctr"/>
-                <a:endParaRPr lang="en-GB"/>
+                <a:endParaRPr lang="en-GB" sz="1600">
+                  <a:latin typeface="Arial" panose="020B0604020202020204" pitchFamily="34" charset="0"/>
+                  <a:cs typeface="Arial" panose="020B0604020202020204" pitchFamily="34" charset="0"/>
+                </a:endParaRPr>
               </a:p>
             </p:txBody>
           </p:sp>
@@ -5341,7 +5346,10 @@
               <a:lstStyle/>
               <a:p>
                 <a:pPr algn="ctr"/>
-                <a:endParaRPr lang="en-GB"/>
+                <a:endParaRPr lang="en-GB" sz="1600">
+                  <a:latin typeface="Arial" panose="020B0604020202020204" pitchFamily="34" charset="0"/>
+                  <a:cs typeface="Arial" panose="020B0604020202020204" pitchFamily="34" charset="0"/>
+                </a:endParaRPr>
               </a:p>
             </p:txBody>
           </p:sp>
@@ -5506,7 +5514,10 @@
               <a:lstStyle/>
               <a:p>
                 <a:pPr algn="ctr"/>
-                <a:endParaRPr lang="en-GB"/>
+                <a:endParaRPr lang="en-GB" sz="1600">
+                  <a:latin typeface="Arial" panose="020B0604020202020204" pitchFamily="34" charset="0"/>
+                  <a:cs typeface="Arial" panose="020B0604020202020204" pitchFamily="34" charset="0"/>
+                </a:endParaRPr>
               </a:p>
             </p:txBody>
           </p:sp>
@@ -5671,7 +5682,10 @@
               <a:lstStyle/>
               <a:p>
                 <a:pPr algn="ctr"/>
-                <a:endParaRPr lang="en-GB"/>
+                <a:endParaRPr lang="en-GB" sz="1600">
+                  <a:latin typeface="Arial" panose="020B0604020202020204" pitchFamily="34" charset="0"/>
+                  <a:cs typeface="Arial" panose="020B0604020202020204" pitchFamily="34" charset="0"/>
+                </a:endParaRPr>
               </a:p>
             </p:txBody>
           </p:sp>
@@ -5836,7 +5850,10 @@
               <a:lstStyle/>
               <a:p>
                 <a:pPr algn="ctr"/>
-                <a:endParaRPr lang="en-GB"/>
+                <a:endParaRPr lang="en-GB" sz="1600">
+                  <a:latin typeface="Arial" panose="020B0604020202020204" pitchFamily="34" charset="0"/>
+                  <a:cs typeface="Arial" panose="020B0604020202020204" pitchFamily="34" charset="0"/>
+                </a:endParaRPr>
               </a:p>
             </p:txBody>
           </p:sp>
@@ -6001,7 +6018,10 @@
               <a:lstStyle/>
               <a:p>
                 <a:pPr algn="ctr"/>
-                <a:endParaRPr lang="en-GB"/>
+                <a:endParaRPr lang="en-GB" sz="1600">
+                  <a:latin typeface="Arial" panose="020B0604020202020204" pitchFamily="34" charset="0"/>
+                  <a:cs typeface="Arial" panose="020B0604020202020204" pitchFamily="34" charset="0"/>
+                </a:endParaRPr>
               </a:p>
             </p:txBody>
           </p:sp>
@@ -6166,7 +6186,10 @@
               <a:lstStyle/>
               <a:p>
                 <a:pPr algn="ctr"/>
-                <a:endParaRPr lang="en-GB"/>
+                <a:endParaRPr lang="en-GB" sz="1600">
+                  <a:latin typeface="Arial" panose="020B0604020202020204" pitchFamily="34" charset="0"/>
+                  <a:cs typeface="Arial" panose="020B0604020202020204" pitchFamily="34" charset="0"/>
+                </a:endParaRPr>
               </a:p>
             </p:txBody>
           </p:sp>
@@ -6331,7 +6354,10 @@
               <a:lstStyle/>
               <a:p>
                 <a:pPr algn="ctr"/>
-                <a:endParaRPr lang="en-GB"/>
+                <a:endParaRPr lang="en-GB" sz="1600">
+                  <a:latin typeface="Arial" panose="020B0604020202020204" pitchFamily="34" charset="0"/>
+                  <a:cs typeface="Arial" panose="020B0604020202020204" pitchFamily="34" charset="0"/>
+                </a:endParaRPr>
               </a:p>
             </p:txBody>
           </p:sp>
@@ -6496,7 +6522,10 @@
               <a:lstStyle/>
               <a:p>
                 <a:pPr algn="ctr"/>
-                <a:endParaRPr lang="en-GB"/>
+                <a:endParaRPr lang="en-GB" sz="1600">
+                  <a:latin typeface="Arial" panose="020B0604020202020204" pitchFamily="34" charset="0"/>
+                  <a:cs typeface="Arial" panose="020B0604020202020204" pitchFamily="34" charset="0"/>
+                </a:endParaRPr>
               </a:p>
             </p:txBody>
           </p:sp>
@@ -6661,7 +6690,10 @@
               <a:lstStyle/>
               <a:p>
                 <a:pPr algn="ctr"/>
-                <a:endParaRPr lang="en-GB"/>
+                <a:endParaRPr lang="en-GB" sz="1600">
+                  <a:latin typeface="Arial" panose="020B0604020202020204" pitchFamily="34" charset="0"/>
+                  <a:cs typeface="Arial" panose="020B0604020202020204" pitchFamily="34" charset="0"/>
+                </a:endParaRPr>
               </a:p>
             </p:txBody>
           </p:sp>
@@ -6826,7 +6858,10 @@
               <a:lstStyle/>
               <a:p>
                 <a:pPr algn="ctr"/>
-                <a:endParaRPr lang="en-GB"/>
+                <a:endParaRPr lang="en-GB" sz="1600">
+                  <a:latin typeface="Arial" panose="020B0604020202020204" pitchFamily="34" charset="0"/>
+                  <a:cs typeface="Arial" panose="020B0604020202020204" pitchFamily="34" charset="0"/>
+                </a:endParaRPr>
               </a:p>
             </p:txBody>
           </p:sp>
@@ -6991,7 +7026,10 @@
               <a:lstStyle/>
               <a:p>
                 <a:pPr algn="ctr"/>
-                <a:endParaRPr lang="en-GB"/>
+                <a:endParaRPr lang="en-GB" sz="1600">
+                  <a:latin typeface="Arial" panose="020B0604020202020204" pitchFamily="34" charset="0"/>
+                  <a:cs typeface="Arial" panose="020B0604020202020204" pitchFamily="34" charset="0"/>
+                </a:endParaRPr>
               </a:p>
             </p:txBody>
           </p:sp>
@@ -7156,7 +7194,10 @@
               <a:lstStyle/>
               <a:p>
                 <a:pPr algn="ctr"/>
-                <a:endParaRPr lang="en-GB"/>
+                <a:endParaRPr lang="en-GB" sz="1600">
+                  <a:latin typeface="Arial" panose="020B0604020202020204" pitchFamily="34" charset="0"/>
+                  <a:cs typeface="Arial" panose="020B0604020202020204" pitchFamily="34" charset="0"/>
+                </a:endParaRPr>
               </a:p>
             </p:txBody>
           </p:sp>
@@ -7321,7 +7362,10 @@
               <a:lstStyle/>
               <a:p>
                 <a:pPr algn="ctr"/>
-                <a:endParaRPr lang="en-GB"/>
+                <a:endParaRPr lang="en-GB" sz="1600">
+                  <a:latin typeface="Arial" panose="020B0604020202020204" pitchFamily="34" charset="0"/>
+                  <a:cs typeface="Arial" panose="020B0604020202020204" pitchFamily="34" charset="0"/>
+                </a:endParaRPr>
               </a:p>
             </p:txBody>
           </p:sp>
@@ -7486,7 +7530,10 @@
               <a:lstStyle/>
               <a:p>
                 <a:pPr algn="ctr"/>
-                <a:endParaRPr lang="en-GB"/>
+                <a:endParaRPr lang="en-GB" sz="1600">
+                  <a:latin typeface="Arial" panose="020B0604020202020204" pitchFamily="34" charset="0"/>
+                  <a:cs typeface="Arial" panose="020B0604020202020204" pitchFamily="34" charset="0"/>
+                </a:endParaRPr>
               </a:p>
             </p:txBody>
           </p:sp>
@@ -7651,7 +7698,10 @@
               <a:lstStyle/>
               <a:p>
                 <a:pPr algn="ctr"/>
-                <a:endParaRPr lang="en-GB"/>
+                <a:endParaRPr lang="en-GB" sz="1600">
+                  <a:latin typeface="Arial" panose="020B0604020202020204" pitchFamily="34" charset="0"/>
+                  <a:cs typeface="Arial" panose="020B0604020202020204" pitchFamily="34" charset="0"/>
+                </a:endParaRPr>
               </a:p>
             </p:txBody>
           </p:sp>
@@ -7816,7 +7866,10 @@
               <a:lstStyle/>
               <a:p>
                 <a:pPr algn="ctr"/>
-                <a:endParaRPr lang="en-GB"/>
+                <a:endParaRPr lang="en-GB" sz="1600">
+                  <a:latin typeface="Arial" panose="020B0604020202020204" pitchFamily="34" charset="0"/>
+                  <a:cs typeface="Arial" panose="020B0604020202020204" pitchFamily="34" charset="0"/>
+                </a:endParaRPr>
               </a:p>
             </p:txBody>
           </p:sp>
@@ -7981,7 +8034,10 @@
               <a:lstStyle/>
               <a:p>
                 <a:pPr algn="ctr"/>
-                <a:endParaRPr lang="en-GB"/>
+                <a:endParaRPr lang="en-GB" sz="1600">
+                  <a:latin typeface="Arial" panose="020B0604020202020204" pitchFamily="34" charset="0"/>
+                  <a:cs typeface="Arial" panose="020B0604020202020204" pitchFamily="34" charset="0"/>
+                </a:endParaRPr>
               </a:p>
             </p:txBody>
           </p:sp>
@@ -8146,7 +8202,10 @@
               <a:lstStyle/>
               <a:p>
                 <a:pPr algn="ctr"/>
-                <a:endParaRPr lang="en-GB"/>
+                <a:endParaRPr lang="en-GB" sz="1600">
+                  <a:latin typeface="Arial" panose="020B0604020202020204" pitchFamily="34" charset="0"/>
+                  <a:cs typeface="Arial" panose="020B0604020202020204" pitchFamily="34" charset="0"/>
+                </a:endParaRPr>
               </a:p>
             </p:txBody>
           </p:sp>
@@ -8311,7 +8370,10 @@
               <a:lstStyle/>
               <a:p>
                 <a:pPr algn="ctr"/>
-                <a:endParaRPr lang="en-GB"/>
+                <a:endParaRPr lang="en-GB" sz="1600">
+                  <a:latin typeface="Arial" panose="020B0604020202020204" pitchFamily="34" charset="0"/>
+                  <a:cs typeface="Arial" panose="020B0604020202020204" pitchFamily="34" charset="0"/>
+                </a:endParaRPr>
               </a:p>
             </p:txBody>
           </p:sp>
@@ -8476,7 +8538,10 @@
               <a:lstStyle/>
               <a:p>
                 <a:pPr algn="ctr"/>
-                <a:endParaRPr lang="en-GB"/>
+                <a:endParaRPr lang="en-GB" sz="1600">
+                  <a:latin typeface="Arial" panose="020B0604020202020204" pitchFamily="34" charset="0"/>
+                  <a:cs typeface="Arial" panose="020B0604020202020204" pitchFamily="34" charset="0"/>
+                </a:endParaRPr>
               </a:p>
             </p:txBody>
           </p:sp>
@@ -8641,7 +8706,10 @@
               <a:lstStyle/>
               <a:p>
                 <a:pPr algn="ctr"/>
-                <a:endParaRPr lang="en-GB"/>
+                <a:endParaRPr lang="en-GB" sz="1600">
+                  <a:latin typeface="Arial" panose="020B0604020202020204" pitchFamily="34" charset="0"/>
+                  <a:cs typeface="Arial" panose="020B0604020202020204" pitchFamily="34" charset="0"/>
+                </a:endParaRPr>
               </a:p>
             </p:txBody>
           </p:sp>
@@ -8806,7 +8874,10 @@
               <a:lstStyle/>
               <a:p>
                 <a:pPr algn="ctr"/>
-                <a:endParaRPr lang="en-GB"/>
+                <a:endParaRPr lang="en-GB" sz="1600">
+                  <a:latin typeface="Arial" panose="020B0604020202020204" pitchFamily="34" charset="0"/>
+                  <a:cs typeface="Arial" panose="020B0604020202020204" pitchFamily="34" charset="0"/>
+                </a:endParaRPr>
               </a:p>
             </p:txBody>
           </p:sp>
@@ -8971,7 +9042,10 @@
               <a:lstStyle/>
               <a:p>
                 <a:pPr algn="ctr"/>
-                <a:endParaRPr lang="en-GB"/>
+                <a:endParaRPr lang="en-GB" sz="1600">
+                  <a:latin typeface="Arial" panose="020B0604020202020204" pitchFamily="34" charset="0"/>
+                  <a:cs typeface="Arial" panose="020B0604020202020204" pitchFamily="34" charset="0"/>
+                </a:endParaRPr>
               </a:p>
             </p:txBody>
           </p:sp>
@@ -9136,7 +9210,10 @@
               <a:lstStyle/>
               <a:p>
                 <a:pPr algn="ctr"/>
-                <a:endParaRPr lang="en-GB"/>
+                <a:endParaRPr lang="en-GB" sz="1600">
+                  <a:latin typeface="Arial" panose="020B0604020202020204" pitchFamily="34" charset="0"/>
+                  <a:cs typeface="Arial" panose="020B0604020202020204" pitchFamily="34" charset="0"/>
+                </a:endParaRPr>
               </a:p>
             </p:txBody>
           </p:sp>
@@ -9301,7 +9378,10 @@
               <a:lstStyle/>
               <a:p>
                 <a:pPr algn="ctr"/>
-                <a:endParaRPr lang="en-GB"/>
+                <a:endParaRPr lang="en-GB" sz="1600">
+                  <a:latin typeface="Arial" panose="020B0604020202020204" pitchFamily="34" charset="0"/>
+                  <a:cs typeface="Arial" panose="020B0604020202020204" pitchFamily="34" charset="0"/>
+                </a:endParaRPr>
               </a:p>
             </p:txBody>
           </p:sp>
@@ -9466,7 +9546,10 @@
               <a:lstStyle/>
               <a:p>
                 <a:pPr algn="ctr"/>
-                <a:endParaRPr lang="en-GB"/>
+                <a:endParaRPr lang="en-GB" sz="1600">
+                  <a:latin typeface="Arial" panose="020B0604020202020204" pitchFamily="34" charset="0"/>
+                  <a:cs typeface="Arial" panose="020B0604020202020204" pitchFamily="34" charset="0"/>
+                </a:endParaRPr>
               </a:p>
             </p:txBody>
           </p:sp>
@@ -9631,7 +9714,10 @@
               <a:lstStyle/>
               <a:p>
                 <a:pPr algn="ctr"/>
-                <a:endParaRPr lang="en-GB"/>
+                <a:endParaRPr lang="en-GB" sz="1600">
+                  <a:latin typeface="Arial" panose="020B0604020202020204" pitchFamily="34" charset="0"/>
+                  <a:cs typeface="Arial" panose="020B0604020202020204" pitchFamily="34" charset="0"/>
+                </a:endParaRPr>
               </a:p>
             </p:txBody>
           </p:sp>
@@ -9796,7 +9882,10 @@
               <a:lstStyle/>
               <a:p>
                 <a:pPr algn="ctr"/>
-                <a:endParaRPr lang="en-GB"/>
+                <a:endParaRPr lang="en-GB" sz="1600">
+                  <a:latin typeface="Arial" panose="020B0604020202020204" pitchFamily="34" charset="0"/>
+                  <a:cs typeface="Arial" panose="020B0604020202020204" pitchFamily="34" charset="0"/>
+                </a:endParaRPr>
               </a:p>
             </p:txBody>
           </p:sp>
@@ -9961,7 +10050,10 @@
               <a:lstStyle/>
               <a:p>
                 <a:pPr algn="ctr"/>
-                <a:endParaRPr lang="en-GB"/>
+                <a:endParaRPr lang="en-GB" sz="1600">
+                  <a:latin typeface="Arial" panose="020B0604020202020204" pitchFamily="34" charset="0"/>
+                  <a:cs typeface="Arial" panose="020B0604020202020204" pitchFamily="34" charset="0"/>
+                </a:endParaRPr>
               </a:p>
             </p:txBody>
           </p:sp>
@@ -10126,7 +10218,10 @@
               <a:lstStyle/>
               <a:p>
                 <a:pPr algn="ctr"/>
-                <a:endParaRPr lang="en-GB"/>
+                <a:endParaRPr lang="en-GB" sz="1600">
+                  <a:latin typeface="Arial" panose="020B0604020202020204" pitchFamily="34" charset="0"/>
+                  <a:cs typeface="Arial" panose="020B0604020202020204" pitchFamily="34" charset="0"/>
+                </a:endParaRPr>
               </a:p>
             </p:txBody>
           </p:sp>
@@ -10291,7 +10386,10 @@
               <a:lstStyle/>
               <a:p>
                 <a:pPr algn="ctr"/>
-                <a:endParaRPr lang="en-GB"/>
+                <a:endParaRPr lang="en-GB" sz="1600">
+                  <a:latin typeface="Arial" panose="020B0604020202020204" pitchFamily="34" charset="0"/>
+                  <a:cs typeface="Arial" panose="020B0604020202020204" pitchFamily="34" charset="0"/>
+                </a:endParaRPr>
               </a:p>
             </p:txBody>
           </p:sp>
@@ -10456,7 +10554,10 @@
               <a:lstStyle/>
               <a:p>
                 <a:pPr algn="ctr"/>
-                <a:endParaRPr lang="en-GB"/>
+                <a:endParaRPr lang="en-GB" sz="1600">
+                  <a:latin typeface="Arial" panose="020B0604020202020204" pitchFamily="34" charset="0"/>
+                  <a:cs typeface="Arial" panose="020B0604020202020204" pitchFamily="34" charset="0"/>
+                </a:endParaRPr>
               </a:p>
             </p:txBody>
           </p:sp>
@@ -10621,7 +10722,10 @@
               <a:lstStyle/>
               <a:p>
                 <a:pPr algn="ctr"/>
-                <a:endParaRPr lang="en-GB"/>
+                <a:endParaRPr lang="en-GB" sz="1600">
+                  <a:latin typeface="Arial" panose="020B0604020202020204" pitchFamily="34" charset="0"/>
+                  <a:cs typeface="Arial" panose="020B0604020202020204" pitchFamily="34" charset="0"/>
+                </a:endParaRPr>
               </a:p>
             </p:txBody>
           </p:sp>
@@ -10786,7 +10890,10 @@
               <a:lstStyle/>
               <a:p>
                 <a:pPr algn="ctr"/>
-                <a:endParaRPr lang="en-GB"/>
+                <a:endParaRPr lang="en-GB" sz="1600">
+                  <a:latin typeface="Arial" panose="020B0604020202020204" pitchFamily="34" charset="0"/>
+                  <a:cs typeface="Arial" panose="020B0604020202020204" pitchFamily="34" charset="0"/>
+                </a:endParaRPr>
               </a:p>
             </p:txBody>
           </p:sp>
@@ -10951,7 +11058,10 @@
               <a:lstStyle/>
               <a:p>
                 <a:pPr algn="ctr"/>
-                <a:endParaRPr lang="en-GB"/>
+                <a:endParaRPr lang="en-GB" sz="1600">
+                  <a:latin typeface="Arial" panose="020B0604020202020204" pitchFamily="34" charset="0"/>
+                  <a:cs typeface="Arial" panose="020B0604020202020204" pitchFamily="34" charset="0"/>
+                </a:endParaRPr>
               </a:p>
             </p:txBody>
           </p:sp>
@@ -11116,7 +11226,10 @@
               <a:lstStyle/>
               <a:p>
                 <a:pPr algn="ctr"/>
-                <a:endParaRPr lang="en-GB"/>
+                <a:endParaRPr lang="en-GB" sz="1600">
+                  <a:latin typeface="Arial" panose="020B0604020202020204" pitchFamily="34" charset="0"/>
+                  <a:cs typeface="Arial" panose="020B0604020202020204" pitchFamily="34" charset="0"/>
+                </a:endParaRPr>
               </a:p>
             </p:txBody>
           </p:sp>
@@ -11281,7 +11394,10 @@
               <a:lstStyle/>
               <a:p>
                 <a:pPr algn="ctr"/>
-                <a:endParaRPr lang="en-GB"/>
+                <a:endParaRPr lang="en-GB" sz="1600">
+                  <a:latin typeface="Arial" panose="020B0604020202020204" pitchFamily="34" charset="0"/>
+                  <a:cs typeface="Arial" panose="020B0604020202020204" pitchFamily="34" charset="0"/>
+                </a:endParaRPr>
               </a:p>
             </p:txBody>
           </p:sp>
@@ -11446,7 +11562,10 @@
               <a:lstStyle/>
               <a:p>
                 <a:pPr algn="ctr"/>
-                <a:endParaRPr lang="en-GB"/>
+                <a:endParaRPr lang="en-GB" sz="1600">
+                  <a:latin typeface="Arial" panose="020B0604020202020204" pitchFamily="34" charset="0"/>
+                  <a:cs typeface="Arial" panose="020B0604020202020204" pitchFamily="34" charset="0"/>
+                </a:endParaRPr>
               </a:p>
             </p:txBody>
           </p:sp>
@@ -11611,7 +11730,10 @@
               <a:lstStyle/>
               <a:p>
                 <a:pPr algn="ctr"/>
-                <a:endParaRPr lang="en-GB"/>
+                <a:endParaRPr lang="en-GB" sz="1600">
+                  <a:latin typeface="Arial" panose="020B0604020202020204" pitchFamily="34" charset="0"/>
+                  <a:cs typeface="Arial" panose="020B0604020202020204" pitchFamily="34" charset="0"/>
+                </a:endParaRPr>
               </a:p>
             </p:txBody>
           </p:sp>
@@ -11776,7 +11898,10 @@
               <a:lstStyle/>
               <a:p>
                 <a:pPr algn="ctr"/>
-                <a:endParaRPr lang="en-GB"/>
+                <a:endParaRPr lang="en-GB" sz="1600">
+                  <a:latin typeface="Arial" panose="020B0604020202020204" pitchFamily="34" charset="0"/>
+                  <a:cs typeface="Arial" panose="020B0604020202020204" pitchFamily="34" charset="0"/>
+                </a:endParaRPr>
               </a:p>
             </p:txBody>
           </p:sp>
@@ -11941,7 +12066,10 @@
               <a:lstStyle/>
               <a:p>
                 <a:pPr algn="ctr"/>
-                <a:endParaRPr lang="en-GB"/>
+                <a:endParaRPr lang="en-GB" sz="1600">
+                  <a:latin typeface="Arial" panose="020B0604020202020204" pitchFamily="34" charset="0"/>
+                  <a:cs typeface="Arial" panose="020B0604020202020204" pitchFamily="34" charset="0"/>
+                </a:endParaRPr>
               </a:p>
             </p:txBody>
           </p:sp>
@@ -12106,7 +12234,10 @@
               <a:lstStyle/>
               <a:p>
                 <a:pPr algn="ctr"/>
-                <a:endParaRPr lang="en-GB"/>
+                <a:endParaRPr lang="en-GB" sz="1600">
+                  <a:latin typeface="Arial" panose="020B0604020202020204" pitchFamily="34" charset="0"/>
+                  <a:cs typeface="Arial" panose="020B0604020202020204" pitchFamily="34" charset="0"/>
+                </a:endParaRPr>
               </a:p>
             </p:txBody>
           </p:sp>
@@ -12271,7 +12402,10 @@
               <a:lstStyle/>
               <a:p>
                 <a:pPr algn="ctr"/>
-                <a:endParaRPr lang="en-GB"/>
+                <a:endParaRPr lang="en-GB" sz="1600">
+                  <a:latin typeface="Arial" panose="020B0604020202020204" pitchFamily="34" charset="0"/>
+                  <a:cs typeface="Arial" panose="020B0604020202020204" pitchFamily="34" charset="0"/>
+                </a:endParaRPr>
               </a:p>
             </p:txBody>
           </p:sp>
@@ -12436,7 +12570,10 @@
               <a:lstStyle/>
               <a:p>
                 <a:pPr algn="ctr"/>
-                <a:endParaRPr lang="en-GB"/>
+                <a:endParaRPr lang="en-GB" sz="1600">
+                  <a:latin typeface="Arial" panose="020B0604020202020204" pitchFamily="34" charset="0"/>
+                  <a:cs typeface="Arial" panose="020B0604020202020204" pitchFamily="34" charset="0"/>
+                </a:endParaRPr>
               </a:p>
             </p:txBody>
           </p:sp>
@@ -12601,7 +12738,10 @@
               <a:lstStyle/>
               <a:p>
                 <a:pPr algn="ctr"/>
-                <a:endParaRPr lang="en-GB"/>
+                <a:endParaRPr lang="en-GB" sz="1600">
+                  <a:latin typeface="Arial" panose="020B0604020202020204" pitchFamily="34" charset="0"/>
+                  <a:cs typeface="Arial" panose="020B0604020202020204" pitchFamily="34" charset="0"/>
+                </a:endParaRPr>
               </a:p>
             </p:txBody>
           </p:sp>
@@ -12766,7 +12906,10 @@
               <a:lstStyle/>
               <a:p>
                 <a:pPr algn="ctr"/>
-                <a:endParaRPr lang="en-GB"/>
+                <a:endParaRPr lang="en-GB" sz="1600">
+                  <a:latin typeface="Arial" panose="020B0604020202020204" pitchFamily="34" charset="0"/>
+                  <a:cs typeface="Arial" panose="020B0604020202020204" pitchFamily="34" charset="0"/>
+                </a:endParaRPr>
               </a:p>
             </p:txBody>
           </p:sp>
@@ -12931,7 +13074,10 @@
               <a:lstStyle/>
               <a:p>
                 <a:pPr algn="ctr"/>
-                <a:endParaRPr lang="en-GB"/>
+                <a:endParaRPr lang="en-GB" sz="1600">
+                  <a:latin typeface="Arial" panose="020B0604020202020204" pitchFamily="34" charset="0"/>
+                  <a:cs typeface="Arial" panose="020B0604020202020204" pitchFamily="34" charset="0"/>
+                </a:endParaRPr>
               </a:p>
             </p:txBody>
           </p:sp>
@@ -13096,7 +13242,10 @@
               <a:lstStyle/>
               <a:p>
                 <a:pPr algn="ctr"/>
-                <a:endParaRPr lang="en-GB"/>
+                <a:endParaRPr lang="en-GB" sz="1600">
+                  <a:latin typeface="Arial" panose="020B0604020202020204" pitchFamily="34" charset="0"/>
+                  <a:cs typeface="Arial" panose="020B0604020202020204" pitchFamily="34" charset="0"/>
+                </a:endParaRPr>
               </a:p>
             </p:txBody>
           </p:sp>
@@ -13261,7 +13410,10 @@
               <a:lstStyle/>
               <a:p>
                 <a:pPr algn="ctr"/>
-                <a:endParaRPr lang="en-GB"/>
+                <a:endParaRPr lang="en-GB" sz="1600">
+                  <a:latin typeface="Arial" panose="020B0604020202020204" pitchFamily="34" charset="0"/>
+                  <a:cs typeface="Arial" panose="020B0604020202020204" pitchFamily="34" charset="0"/>
+                </a:endParaRPr>
               </a:p>
             </p:txBody>
           </p:sp>
@@ -13426,7 +13578,10 @@
               <a:lstStyle/>
               <a:p>
                 <a:pPr algn="ctr"/>
-                <a:endParaRPr lang="en-GB"/>
+                <a:endParaRPr lang="en-GB" sz="1600">
+                  <a:latin typeface="Arial" panose="020B0604020202020204" pitchFamily="34" charset="0"/>
+                  <a:cs typeface="Arial" panose="020B0604020202020204" pitchFamily="34" charset="0"/>
+                </a:endParaRPr>
               </a:p>
             </p:txBody>
           </p:sp>
@@ -13591,7 +13746,10 @@
               <a:lstStyle/>
               <a:p>
                 <a:pPr algn="ctr"/>
-                <a:endParaRPr lang="en-GB"/>
+                <a:endParaRPr lang="en-GB" sz="1600">
+                  <a:latin typeface="Arial" panose="020B0604020202020204" pitchFamily="34" charset="0"/>
+                  <a:cs typeface="Arial" panose="020B0604020202020204" pitchFamily="34" charset="0"/>
+                </a:endParaRPr>
               </a:p>
             </p:txBody>
           </p:sp>
@@ -13756,7 +13914,10 @@
               <a:lstStyle/>
               <a:p>
                 <a:pPr algn="ctr"/>
-                <a:endParaRPr lang="en-GB"/>
+                <a:endParaRPr lang="en-GB" sz="1600">
+                  <a:latin typeface="Arial" panose="020B0604020202020204" pitchFamily="34" charset="0"/>
+                  <a:cs typeface="Arial" panose="020B0604020202020204" pitchFamily="34" charset="0"/>
+                </a:endParaRPr>
               </a:p>
             </p:txBody>
           </p:sp>
@@ -13921,7 +14082,10 @@
               <a:lstStyle/>
               <a:p>
                 <a:pPr algn="ctr"/>
-                <a:endParaRPr lang="en-GB"/>
+                <a:endParaRPr lang="en-GB" sz="1600">
+                  <a:latin typeface="Arial" panose="020B0604020202020204" pitchFamily="34" charset="0"/>
+                  <a:cs typeface="Arial" panose="020B0604020202020204" pitchFamily="34" charset="0"/>
+                </a:endParaRPr>
               </a:p>
             </p:txBody>
           </p:sp>
@@ -14086,7 +14250,10 @@
               <a:lstStyle/>
               <a:p>
                 <a:pPr algn="ctr"/>
-                <a:endParaRPr lang="en-GB"/>
+                <a:endParaRPr lang="en-GB" sz="1600">
+                  <a:latin typeface="Arial" panose="020B0604020202020204" pitchFamily="34" charset="0"/>
+                  <a:cs typeface="Arial" panose="020B0604020202020204" pitchFamily="34" charset="0"/>
+                </a:endParaRPr>
               </a:p>
             </p:txBody>
           </p:sp>
@@ -14251,7 +14418,10 @@
               <a:lstStyle/>
               <a:p>
                 <a:pPr algn="ctr"/>
-                <a:endParaRPr lang="en-GB"/>
+                <a:endParaRPr lang="en-GB" sz="1600">
+                  <a:latin typeface="Arial" panose="020B0604020202020204" pitchFamily="34" charset="0"/>
+                  <a:cs typeface="Arial" panose="020B0604020202020204" pitchFamily="34" charset="0"/>
+                </a:endParaRPr>
               </a:p>
             </p:txBody>
           </p:sp>
@@ -14416,7 +14586,10 @@
               <a:lstStyle/>
               <a:p>
                 <a:pPr algn="ctr"/>
-                <a:endParaRPr lang="en-GB"/>
+                <a:endParaRPr lang="en-GB" sz="1600">
+                  <a:latin typeface="Arial" panose="020B0604020202020204" pitchFamily="34" charset="0"/>
+                  <a:cs typeface="Arial" panose="020B0604020202020204" pitchFamily="34" charset="0"/>
+                </a:endParaRPr>
               </a:p>
             </p:txBody>
           </p:sp>
@@ -14581,7 +14754,10 @@
               <a:lstStyle/>
               <a:p>
                 <a:pPr algn="ctr"/>
-                <a:endParaRPr lang="en-GB"/>
+                <a:endParaRPr lang="en-GB" sz="1600">
+                  <a:latin typeface="Arial" panose="020B0604020202020204" pitchFamily="34" charset="0"/>
+                  <a:cs typeface="Arial" panose="020B0604020202020204" pitchFamily="34" charset="0"/>
+                </a:endParaRPr>
               </a:p>
             </p:txBody>
           </p:sp>
@@ -14746,7 +14922,10 @@
               <a:lstStyle/>
               <a:p>
                 <a:pPr algn="ctr"/>
-                <a:endParaRPr lang="en-GB"/>
+                <a:endParaRPr lang="en-GB" sz="1600">
+                  <a:latin typeface="Arial" panose="020B0604020202020204" pitchFamily="34" charset="0"/>
+                  <a:cs typeface="Arial" panose="020B0604020202020204" pitchFamily="34" charset="0"/>
+                </a:endParaRPr>
               </a:p>
             </p:txBody>
           </p:sp>
@@ -14895,10 +15074,12 @@
             <a:lstStyle/>
             <a:p>
               <a:pPr algn="ctr"/>
-              <a:endParaRPr lang="en-GB">
+              <a:endParaRPr lang="en-GB" sz="1600">
                 <a:solidFill>
                   <a:schemeClr val="tx1"/>
                 </a:solidFill>
+                <a:latin typeface="Arial" panose="020B0604020202020204" pitchFamily="34" charset="0"/>
+                <a:cs typeface="Arial" panose="020B0604020202020204" pitchFamily="34" charset="0"/>
               </a:endParaRPr>
             </a:p>
           </p:txBody>
@@ -14925,7 +15106,7 @@
             <a:avLst/>
           </a:prstGeom>
           <a:solidFill>
-            <a:schemeClr val="accent2"/>
+            <a:srgbClr val="F18B45"/>
           </a:solidFill>
           <a:ln>
             <a:noFill/>
@@ -14953,10 +15134,12 @@
           <a:p>
             <a:pPr algn="ctr"/>
             <a:r>
-              <a:rPr lang="en-GB" dirty="0">
+              <a:rPr lang="en-GB" sz="1600" dirty="0">
                 <a:solidFill>
                   <a:schemeClr val="tx1"/>
                 </a:solidFill>
+                <a:latin typeface="Arial" panose="020B0604020202020204" pitchFamily="34" charset="0"/>
+                <a:cs typeface="Arial" panose="020B0604020202020204" pitchFamily="34" charset="0"/>
               </a:rPr>
               <a:t>Grid connection</a:t>
             </a:r>
@@ -14984,7 +15167,7 @@
             <a:avLst/>
           </a:prstGeom>
           <a:solidFill>
-            <a:schemeClr val="accent2"/>
+            <a:srgbClr val="F18B45"/>
           </a:solidFill>
           <a:ln>
             <a:noFill/>
@@ -15012,10 +15195,12 @@
           <a:p>
             <a:pPr algn="ctr"/>
             <a:r>
-              <a:rPr lang="en-GB" dirty="0">
+              <a:rPr lang="en-GB" sz="1600" dirty="0">
                 <a:solidFill>
                   <a:schemeClr val="tx1"/>
                 </a:solidFill>
+                <a:latin typeface="Arial" panose="020B0604020202020204" pitchFamily="34" charset="0"/>
+                <a:cs typeface="Arial" panose="020B0604020202020204" pitchFamily="34" charset="0"/>
               </a:rPr>
               <a:t>Battery</a:t>
             </a:r>
@@ -15071,10 +15256,12 @@
           <a:p>
             <a:pPr algn="ctr"/>
             <a:r>
-              <a:rPr lang="en-GB" dirty="0">
+              <a:rPr lang="en-GB" sz="1600" dirty="0">
                 <a:solidFill>
                   <a:schemeClr val="bg1"/>
                 </a:solidFill>
+                <a:latin typeface="Arial" panose="020B0604020202020204" pitchFamily="34" charset="0"/>
+                <a:cs typeface="Arial" panose="020B0604020202020204" pitchFamily="34" charset="0"/>
               </a:rPr>
               <a:t>PV modules array</a:t>
             </a:r>
@@ -15106,9 +15293,7 @@
           </a:solidFill>
           <a:ln w="38100">
             <a:solidFill>
-              <a:schemeClr val="accent1">
-                <a:shade val="50000"/>
-              </a:schemeClr>
+              <a:srgbClr val="002060"/>
             </a:solidFill>
           </a:ln>
         </p:spPr>
@@ -15134,10 +15319,12 @@
           <a:p>
             <a:pPr algn="ctr"/>
             <a:r>
-              <a:rPr lang="en-GB" dirty="0">
+              <a:rPr lang="en-GB" sz="1600" dirty="0">
                 <a:solidFill>
                   <a:srgbClr val="002060"/>
                 </a:solidFill>
+                <a:latin typeface="Arial" panose="020B0604020202020204" pitchFamily="34" charset="0"/>
+                <a:cs typeface="Arial" panose="020B0604020202020204" pitchFamily="34" charset="0"/>
               </a:rPr>
               <a:t>DC/AC conversion</a:t>
             </a:r>
@@ -15165,7 +15352,7 @@
             <a:avLst/>
           </a:prstGeom>
           <a:solidFill>
-            <a:schemeClr val="accent2"/>
+            <a:srgbClr val="F18B45"/>
           </a:solidFill>
           <a:ln>
             <a:noFill/>
@@ -15193,10 +15380,12 @@
           <a:p>
             <a:pPr algn="ctr"/>
             <a:r>
-              <a:rPr lang="en-GB" dirty="0">
+              <a:rPr lang="en-GB" sz="1600" dirty="0">
                 <a:solidFill>
                   <a:schemeClr val="tx1"/>
                 </a:solidFill>
+                <a:latin typeface="Arial" panose="020B0604020202020204" pitchFamily="34" charset="0"/>
+                <a:cs typeface="Arial" panose="020B0604020202020204" pitchFamily="34" charset="0"/>
               </a:rPr>
               <a:t>Local demand</a:t>
             </a:r>
@@ -15227,9 +15416,7 @@
           </a:prstGeom>
           <a:ln w="50800">
             <a:solidFill>
-              <a:schemeClr val="accent1">
-                <a:lumMod val="50000"/>
-              </a:schemeClr>
+              <a:srgbClr val="002060"/>
             </a:solidFill>
           </a:ln>
         </p:spPr>
@@ -15272,9 +15459,7 @@
           </a:prstGeom>
           <a:ln w="50800">
             <a:solidFill>
-              <a:schemeClr val="accent1">
-                <a:lumMod val="50000"/>
-              </a:schemeClr>
+              <a:srgbClr val="002060"/>
             </a:solidFill>
           </a:ln>
         </p:spPr>

--- a/Figures/Chapter_01/drawings/Fig1.3_Cell_module_system.pptx
+++ b/Figures/Chapter_01/drawings/Fig1.3_Cell_module_system.pptx
@@ -261,7 +261,7 @@
           <a:p>
             <a:fld id="{8B1A925D-6802-4F82-B3A4-43BDB522D203}" type="datetimeFigureOut">
               <a:rPr lang="en-GB" smtClean="0"/>
-              <a:t>13/07/2022</a:t>
+              <a:t>24/08/2022</a:t>
             </a:fld>
             <a:endParaRPr lang="en-GB"/>
           </a:p>
@@ -461,7 +461,7 @@
           <a:p>
             <a:fld id="{8B1A925D-6802-4F82-B3A4-43BDB522D203}" type="datetimeFigureOut">
               <a:rPr lang="en-GB" smtClean="0"/>
-              <a:t>13/07/2022</a:t>
+              <a:t>24/08/2022</a:t>
             </a:fld>
             <a:endParaRPr lang="en-GB"/>
           </a:p>
@@ -671,7 +671,7 @@
           <a:p>
             <a:fld id="{8B1A925D-6802-4F82-B3A4-43BDB522D203}" type="datetimeFigureOut">
               <a:rPr lang="en-GB" smtClean="0"/>
-              <a:t>13/07/2022</a:t>
+              <a:t>24/08/2022</a:t>
             </a:fld>
             <a:endParaRPr lang="en-GB"/>
           </a:p>
@@ -871,7 +871,7 @@
           <a:p>
             <a:fld id="{8B1A925D-6802-4F82-B3A4-43BDB522D203}" type="datetimeFigureOut">
               <a:rPr lang="en-GB" smtClean="0"/>
-              <a:t>13/07/2022</a:t>
+              <a:t>24/08/2022</a:t>
             </a:fld>
             <a:endParaRPr lang="en-GB"/>
           </a:p>
@@ -1147,7 +1147,7 @@
           <a:p>
             <a:fld id="{8B1A925D-6802-4F82-B3A4-43BDB522D203}" type="datetimeFigureOut">
               <a:rPr lang="en-GB" smtClean="0"/>
-              <a:t>13/07/2022</a:t>
+              <a:t>24/08/2022</a:t>
             </a:fld>
             <a:endParaRPr lang="en-GB"/>
           </a:p>
@@ -1415,7 +1415,7 @@
           <a:p>
             <a:fld id="{8B1A925D-6802-4F82-B3A4-43BDB522D203}" type="datetimeFigureOut">
               <a:rPr lang="en-GB" smtClean="0"/>
-              <a:t>13/07/2022</a:t>
+              <a:t>24/08/2022</a:t>
             </a:fld>
             <a:endParaRPr lang="en-GB"/>
           </a:p>
@@ -1830,7 +1830,7 @@
           <a:p>
             <a:fld id="{8B1A925D-6802-4F82-B3A4-43BDB522D203}" type="datetimeFigureOut">
               <a:rPr lang="en-GB" smtClean="0"/>
-              <a:t>13/07/2022</a:t>
+              <a:t>24/08/2022</a:t>
             </a:fld>
             <a:endParaRPr lang="en-GB"/>
           </a:p>
@@ -1972,7 +1972,7 @@
           <a:p>
             <a:fld id="{8B1A925D-6802-4F82-B3A4-43BDB522D203}" type="datetimeFigureOut">
               <a:rPr lang="en-GB" smtClean="0"/>
-              <a:t>13/07/2022</a:t>
+              <a:t>24/08/2022</a:t>
             </a:fld>
             <a:endParaRPr lang="en-GB"/>
           </a:p>
@@ -2085,7 +2085,7 @@
           <a:p>
             <a:fld id="{8B1A925D-6802-4F82-B3A4-43BDB522D203}" type="datetimeFigureOut">
               <a:rPr lang="en-GB" smtClean="0"/>
-              <a:t>13/07/2022</a:t>
+              <a:t>24/08/2022</a:t>
             </a:fld>
             <a:endParaRPr lang="en-GB"/>
           </a:p>
@@ -2398,7 +2398,7 @@
           <a:p>
             <a:fld id="{8B1A925D-6802-4F82-B3A4-43BDB522D203}" type="datetimeFigureOut">
               <a:rPr lang="en-GB" smtClean="0"/>
-              <a:t>13/07/2022</a:t>
+              <a:t>24/08/2022</a:t>
             </a:fld>
             <a:endParaRPr lang="en-GB"/>
           </a:p>
@@ -2687,7 +2687,7 @@
           <a:p>
             <a:fld id="{8B1A925D-6802-4F82-B3A4-43BDB522D203}" type="datetimeFigureOut">
               <a:rPr lang="en-GB" smtClean="0"/>
-              <a:t>13/07/2022</a:t>
+              <a:t>24/08/2022</a:t>
             </a:fld>
             <a:endParaRPr lang="en-GB"/>
           </a:p>
@@ -2930,7 +2930,7 @@
           <a:p>
             <a:fld id="{8B1A925D-6802-4F82-B3A4-43BDB522D203}" type="datetimeFigureOut">
               <a:rPr lang="en-GB" smtClean="0"/>
-              <a:t>13/07/2022</a:t>
+              <a:t>24/08/2022</a:t>
             </a:fld>
             <a:endParaRPr lang="en-GB"/>
           </a:p>
@@ -3423,7 +3423,21 @@
                 <a:latin typeface="Arial" panose="020B0604020202020204" pitchFamily="34" charset="0"/>
                 <a:cs typeface="Arial" panose="020B0604020202020204" pitchFamily="34" charset="0"/>
               </a:rPr>
-              <a:t>Solar cell (6.2W, 275 cm</a:t>
+              <a:t>Solar cell </a:t>
+            </a:r>
+            <a:r>
+              <a:rPr lang="en-GB" sz="1600">
+                <a:latin typeface="Arial" panose="020B0604020202020204" pitchFamily="34" charset="0"/>
+                <a:cs typeface="Arial" panose="020B0604020202020204" pitchFamily="34" charset="0"/>
+              </a:rPr>
+              <a:t>(6W</a:t>
+            </a:r>
+            <a:r>
+              <a:rPr lang="en-GB" sz="1600" dirty="0">
+                <a:latin typeface="Arial" panose="020B0604020202020204" pitchFamily="34" charset="0"/>
+                <a:cs typeface="Arial" panose="020B0604020202020204" pitchFamily="34" charset="0"/>
+              </a:rPr>
+              <a:t>, 275 cm</a:t>
             </a:r>
             <a:r>
               <a:rPr lang="en-GB" sz="1600" baseline="30000" dirty="0">
